--- a/animation_class/anim_final/졸작프리젠테이션.pptx
+++ b/animation_class/anim_final/졸작프리젠테이션.pptx
@@ -4640,7 +4640,7 @@
         <p:spPr>
           <a:xfrm>
             <a:off x="5687083" y="760002"/>
-            <a:ext cx="1052499" cy="276999"/>
+            <a:ext cx="3761717" cy="276999"/>
           </a:xfrm>
           <a:prstGeom prst="rect">
             <a:avLst/>
@@ -4656,6 +4656,14 @@
             <a:r>
               <a:rPr kumimoji="1" lang="ko-KR" altLang="en-US" sz="1200" dirty="0" err="1"/>
               <a:t>배경이미지</a:t>
+            </a:r>
+            <a:r>
+              <a:rPr kumimoji="1" lang="en-US" altLang="ko-KR" sz="1200" dirty="0"/>
+              <a:t>-</a:t>
+            </a:r>
+            <a:r>
+              <a:rPr kumimoji="1" lang="en-US" altLang="ko-KR" sz="1200" dirty="0" err="1"/>
+              <a:t>buildScrollBackgroundImages</a:t>
             </a:r>
             <a:endParaRPr kumimoji="1" lang="ko-KR" altLang="en-US" sz="1200" dirty="0"/>
           </a:p>
@@ -4799,7 +4807,7 @@
         <p:spPr>
           <a:xfrm>
             <a:off x="6213332" y="1918195"/>
-            <a:ext cx="1980915" cy="276999"/>
+            <a:ext cx="5565011" cy="276999"/>
           </a:xfrm>
           <a:prstGeom prst="rect">
             <a:avLst/>
@@ -4816,6 +4824,19 @@
               <a:rPr kumimoji="1" lang="ko-KR" altLang="en-US" sz="1200" dirty="0"/>
               <a:t>상단 게임타이틀 상세</a:t>
             </a:r>
+            <a:r>
+              <a:rPr kumimoji="1" lang="en-US" altLang="ko-KR" sz="1200" dirty="0"/>
+              <a:t>(</a:t>
+            </a:r>
+            <a:r>
+              <a:rPr kumimoji="1" lang="en-US" altLang="ko-KR" sz="1200" dirty="0" err="1"/>
+              <a:t>GameTitleDetailScreen</a:t>
+            </a:r>
+            <a:r>
+              <a:rPr kumimoji="1" lang="en-US" altLang="ko-KR" sz="1200" dirty="0"/>
+              <a:t>)</a:t>
+            </a:r>
+            <a:endParaRPr kumimoji="1" lang="ko-KR" altLang="en-US" sz="1200" dirty="0"/>
           </a:p>
         </p:txBody>
       </p:sp>
@@ -4835,9 +4856,9 @@
           <p:nvPr/>
         </p:nvCxnSpPr>
         <p:spPr>
-          <a:xfrm flipH="1" flipV="1">
-            <a:off x="4295378" y="5749964"/>
-            <a:ext cx="2685026" cy="1"/>
+          <a:xfrm flipH="1">
+            <a:off x="4306264" y="5657632"/>
+            <a:ext cx="2685026" cy="92332"/>
           </a:xfrm>
           <a:prstGeom prst="straightConnector1">
             <a:avLst/>
@@ -4875,8 +4896,8 @@
         </p:nvSpPr>
         <p:spPr>
           <a:xfrm>
-            <a:off x="6980404" y="5519132"/>
-            <a:ext cx="1596909" cy="461665"/>
+            <a:off x="6991290" y="5519132"/>
+            <a:ext cx="3295710" cy="276999"/>
           </a:xfrm>
           <a:prstGeom prst="rect">
             <a:avLst/>
@@ -4893,6 +4914,19 @@
               <a:rPr kumimoji="1" lang="ko-KR" altLang="en-US" sz="1200" dirty="0"/>
               <a:t>하단 게임타이틀 요약</a:t>
             </a:r>
+            <a:r>
+              <a:rPr kumimoji="1" lang="en-US" altLang="ko-KR" sz="1200" dirty="0"/>
+              <a:t>(</a:t>
+            </a:r>
+            <a:r>
+              <a:rPr kumimoji="1" lang="en-US" altLang="ko-KR" sz="1200" dirty="0" err="1"/>
+              <a:t>GameTitleScreen</a:t>
+            </a:r>
+            <a:r>
+              <a:rPr kumimoji="1" lang="en-US" altLang="ko-KR" sz="1200" dirty="0"/>
+              <a:t>)</a:t>
+            </a:r>
+            <a:endParaRPr kumimoji="1" lang="ko-KR" altLang="en-US" sz="1200" dirty="0"/>
           </a:p>
         </p:txBody>
       </p:sp>
@@ -4953,7 +4987,7 @@
         <p:spPr>
           <a:xfrm>
             <a:off x="5718749" y="144950"/>
-            <a:ext cx="1749014" cy="276999"/>
+            <a:ext cx="2869450" cy="276999"/>
           </a:xfrm>
           <a:prstGeom prst="rect">
             <a:avLst/>
@@ -4969,6 +5003,18 @@
             <a:r>
               <a:rPr kumimoji="1" lang="ko-KR" altLang="en-US" sz="1200" dirty="0" err="1"/>
               <a:t>카트아이콘</a:t>
+            </a:r>
+            <a:r>
+              <a:rPr kumimoji="1" lang="en-US" altLang="ko-KR" sz="1200" dirty="0"/>
+              <a:t>-</a:t>
+            </a:r>
+            <a:r>
+              <a:rPr kumimoji="1" lang="en-US" altLang="ko-KR" sz="1200" dirty="0" err="1"/>
+              <a:t>buildKartIcon</a:t>
+            </a:r>
+            <a:r>
+              <a:rPr kumimoji="1" lang="en-US" altLang="ko-KR" sz="1200" dirty="0"/>
+              <a:t>()</a:t>
             </a:r>
             <a:endParaRPr kumimoji="1" lang="ko-KR" altLang="en-US" sz="1200" dirty="0"/>
           </a:p>
@@ -5030,7 +5076,7 @@
         <p:spPr>
           <a:xfrm>
             <a:off x="6372026" y="3851091"/>
-            <a:ext cx="2479993" cy="276999"/>
+            <a:ext cx="4154460" cy="276999"/>
           </a:xfrm>
           <a:prstGeom prst="rect">
             <a:avLst/>
@@ -5054,6 +5100,18 @@
             <a:r>
               <a:rPr kumimoji="1" lang="ko-KR" altLang="en-US" sz="1200" dirty="0" err="1"/>
               <a:t>애니매이션</a:t>
+            </a:r>
+            <a:r>
+              <a:rPr kumimoji="1" lang="en-US" altLang="ko-KR" sz="1200" dirty="0"/>
+              <a:t>-</a:t>
+            </a:r>
+            <a:r>
+              <a:rPr kumimoji="1" lang="en-US" altLang="ko-KR" sz="1200" dirty="0" err="1"/>
+              <a:t>buildAnimatedKartIcon</a:t>
+            </a:r>
+            <a:r>
+              <a:rPr kumimoji="1" lang="en-US" altLang="ko-KR" sz="1200" dirty="0"/>
+              <a:t>()</a:t>
             </a:r>
             <a:endParaRPr kumimoji="1" lang="ko-KR" altLang="en-US" sz="1200" dirty="0"/>
           </a:p>
@@ -5287,7 +5345,7 @@
         <p:spPr>
           <a:xfrm>
             <a:off x="6937208" y="4861717"/>
-            <a:ext cx="1596127" cy="276999"/>
+            <a:ext cx="3121192" cy="276999"/>
           </a:xfrm>
           <a:prstGeom prst="rect">
             <a:avLst/>
@@ -5307,6 +5365,18 @@
             <a:r>
               <a:rPr kumimoji="1" lang="en-US" altLang="ko-KR" sz="1200" dirty="0" err="1"/>
               <a:t>PageView</a:t>
+            </a:r>
+            <a:r>
+              <a:rPr kumimoji="1" lang="en-US" altLang="ko-KR" sz="1200" dirty="0"/>
+              <a:t>(</a:t>
+            </a:r>
+            <a:r>
+              <a:rPr kumimoji="1" lang="en-US" altLang="ko-KR" sz="1200" dirty="0" err="1"/>
+              <a:t>GameTitlesSliderScreen</a:t>
+            </a:r>
+            <a:r>
+              <a:rPr kumimoji="1" lang="en-US" altLang="ko-KR" sz="1200" dirty="0"/>
+              <a:t>)</a:t>
             </a:r>
             <a:endParaRPr kumimoji="1" lang="ko-KR" altLang="en-US" sz="1200" dirty="0"/>
           </a:p>

--- a/animation_class/anim_final/졸작프리젠테이션.pptx
+++ b/animation_class/anim_final/졸작프리젠테이션.pptx
@@ -152,6 +152,9 @@
             <a:off x="1524000" y="1122363"/>
             <a:ext cx="9144000" cy="2387600"/>
           </a:xfrm>
+          <a:prstGeom prst="rect">
+            <a:avLst/>
+          </a:prstGeom>
         </p:spPr>
         <p:txBody>
           <a:bodyPr anchor="b"/>
@@ -189,6 +192,9 @@
             <a:off x="1524000" y="3602038"/>
             <a:ext cx="9144000" cy="1655762"/>
           </a:xfrm>
+          <a:prstGeom prst="rect">
+            <a:avLst/>
+          </a:prstGeom>
         </p:spPr>
         <p:txBody>
           <a:bodyPr/>
@@ -261,7 +267,7 @@
           <a:p>
             <a:fld id="{CE7749FF-BDA4-3049-8C65-FB4C0E76B179}" type="datetimeFigureOut">
               <a:rPr kumimoji="1" lang="ko-KR" altLang="en-US" smtClean="0"/>
-              <a:t>2023. 10. 17.</a:t>
+              <a:t>2023. 10. 18.</a:t>
             </a:fld>
             <a:endParaRPr kumimoji="1" lang="ko-KR" altLang="en-US"/>
           </a:p>
@@ -367,7 +373,15 @@
             <p:ph type="title"/>
           </p:nvPr>
         </p:nvSpPr>
-        <p:spPr/>
+        <p:spPr>
+          <a:xfrm>
+            <a:off x="838200" y="365125"/>
+            <a:ext cx="10515600" cy="1325563"/>
+          </a:xfrm>
+          <a:prstGeom prst="rect">
+            <a:avLst/>
+          </a:prstGeom>
+        </p:spPr>
         <p:txBody>
           <a:bodyPr/>
           <a:lstStyle/>
@@ -395,7 +409,15 @@
             <p:ph type="body" orient="vert" idx="1"/>
           </p:nvPr>
         </p:nvSpPr>
-        <p:spPr/>
+        <p:spPr>
+          <a:xfrm>
+            <a:off x="838200" y="1825625"/>
+            <a:ext cx="10515600" cy="4351338"/>
+          </a:xfrm>
+          <a:prstGeom prst="rect">
+            <a:avLst/>
+          </a:prstGeom>
+        </p:spPr>
         <p:txBody>
           <a:bodyPr vert="eaVert"/>
           <a:lstStyle/>
@@ -459,7 +481,7 @@
           <a:p>
             <a:fld id="{CE7749FF-BDA4-3049-8C65-FB4C0E76B179}" type="datetimeFigureOut">
               <a:rPr kumimoji="1" lang="ko-KR" altLang="en-US" smtClean="0"/>
-              <a:t>2023. 10. 17.</a:t>
+              <a:t>2023. 10. 18.</a:t>
             </a:fld>
             <a:endParaRPr kumimoji="1" lang="ko-KR" altLang="en-US"/>
           </a:p>
@@ -570,6 +592,9 @@
             <a:off x="8724900" y="365125"/>
             <a:ext cx="2628900" cy="5811838"/>
           </a:xfrm>
+          <a:prstGeom prst="rect">
+            <a:avLst/>
+          </a:prstGeom>
         </p:spPr>
         <p:txBody>
           <a:bodyPr vert="eaVert"/>
@@ -603,6 +628,9 @@
             <a:off x="838200" y="365125"/>
             <a:ext cx="7734300" cy="5811838"/>
           </a:xfrm>
+          <a:prstGeom prst="rect">
+            <a:avLst/>
+          </a:prstGeom>
         </p:spPr>
         <p:txBody>
           <a:bodyPr vert="eaVert"/>
@@ -667,7 +695,7 @@
           <a:p>
             <a:fld id="{CE7749FF-BDA4-3049-8C65-FB4C0E76B179}" type="datetimeFigureOut">
               <a:rPr kumimoji="1" lang="ko-KR" altLang="en-US" smtClean="0"/>
-              <a:t>2023. 10. 17.</a:t>
+              <a:t>2023. 10. 18.</a:t>
             </a:fld>
             <a:endParaRPr kumimoji="1" lang="ko-KR" altLang="en-US"/>
           </a:p>
@@ -773,7 +801,15 @@
             <p:ph type="title"/>
           </p:nvPr>
         </p:nvSpPr>
-        <p:spPr/>
+        <p:spPr>
+          <a:xfrm>
+            <a:off x="838200" y="365125"/>
+            <a:ext cx="10515600" cy="1325563"/>
+          </a:xfrm>
+          <a:prstGeom prst="rect">
+            <a:avLst/>
+          </a:prstGeom>
+        </p:spPr>
         <p:txBody>
           <a:bodyPr/>
           <a:lstStyle/>
@@ -801,7 +837,15 @@
             <p:ph idx="1"/>
           </p:nvPr>
         </p:nvSpPr>
-        <p:spPr/>
+        <p:spPr>
+          <a:xfrm>
+            <a:off x="838200" y="1825625"/>
+            <a:ext cx="10515600" cy="4351338"/>
+          </a:xfrm>
+          <a:prstGeom prst="rect">
+            <a:avLst/>
+          </a:prstGeom>
+        </p:spPr>
         <p:txBody>
           <a:bodyPr/>
           <a:lstStyle/>
@@ -865,7 +909,7 @@
           <a:p>
             <a:fld id="{CE7749FF-BDA4-3049-8C65-FB4C0E76B179}" type="datetimeFigureOut">
               <a:rPr kumimoji="1" lang="ko-KR" altLang="en-US" smtClean="0"/>
-              <a:t>2023. 10. 17.</a:t>
+              <a:t>2023. 10. 18.</a:t>
             </a:fld>
             <a:endParaRPr kumimoji="1" lang="ko-KR" altLang="en-US"/>
           </a:p>
@@ -976,6 +1020,9 @@
             <a:off x="831850" y="1709738"/>
             <a:ext cx="10515600" cy="2852737"/>
           </a:xfrm>
+          <a:prstGeom prst="rect">
+            <a:avLst/>
+          </a:prstGeom>
         </p:spPr>
         <p:txBody>
           <a:bodyPr anchor="b"/>
@@ -1013,6 +1060,9 @@
             <a:off x="831850" y="4589463"/>
             <a:ext cx="10515600" cy="1500187"/>
           </a:xfrm>
+          <a:prstGeom prst="rect">
+            <a:avLst/>
+          </a:prstGeom>
         </p:spPr>
         <p:txBody>
           <a:bodyPr/>
@@ -1140,7 +1190,7 @@
           <a:p>
             <a:fld id="{CE7749FF-BDA4-3049-8C65-FB4C0E76B179}" type="datetimeFigureOut">
               <a:rPr kumimoji="1" lang="ko-KR" altLang="en-US" smtClean="0"/>
-              <a:t>2023. 10. 17.</a:t>
+              <a:t>2023. 10. 18.</a:t>
             </a:fld>
             <a:endParaRPr kumimoji="1" lang="ko-KR" altLang="en-US"/>
           </a:p>
@@ -1246,7 +1296,15 @@
             <p:ph type="title"/>
           </p:nvPr>
         </p:nvSpPr>
-        <p:spPr/>
+        <p:spPr>
+          <a:xfrm>
+            <a:off x="838200" y="365125"/>
+            <a:ext cx="10515600" cy="1325563"/>
+          </a:xfrm>
+          <a:prstGeom prst="rect">
+            <a:avLst/>
+          </a:prstGeom>
+        </p:spPr>
         <p:txBody>
           <a:bodyPr/>
           <a:lstStyle/>
@@ -1279,6 +1337,9 @@
             <a:off x="838200" y="1825625"/>
             <a:ext cx="5181600" cy="4351338"/>
           </a:xfrm>
+          <a:prstGeom prst="rect">
+            <a:avLst/>
+          </a:prstGeom>
         </p:spPr>
         <p:txBody>
           <a:bodyPr/>
@@ -1341,6 +1402,9 @@
             <a:off x="6172200" y="1825625"/>
             <a:ext cx="5181600" cy="4351338"/>
           </a:xfrm>
+          <a:prstGeom prst="rect">
+            <a:avLst/>
+          </a:prstGeom>
         </p:spPr>
         <p:txBody>
           <a:bodyPr/>
@@ -1405,7 +1469,7 @@
           <a:p>
             <a:fld id="{CE7749FF-BDA4-3049-8C65-FB4C0E76B179}" type="datetimeFigureOut">
               <a:rPr kumimoji="1" lang="ko-KR" altLang="en-US" smtClean="0"/>
-              <a:t>2023. 10. 17.</a:t>
+              <a:t>2023. 10. 18.</a:t>
             </a:fld>
             <a:endParaRPr kumimoji="1" lang="ko-KR" altLang="en-US"/>
           </a:p>
@@ -1516,6 +1580,9 @@
             <a:off x="839788" y="365125"/>
             <a:ext cx="10515600" cy="1325563"/>
           </a:xfrm>
+          <a:prstGeom prst="rect">
+            <a:avLst/>
+          </a:prstGeom>
         </p:spPr>
         <p:txBody>
           <a:bodyPr/>
@@ -1549,6 +1616,9 @@
             <a:off x="839788" y="1681163"/>
             <a:ext cx="5157787" cy="823912"/>
           </a:xfrm>
+          <a:prstGeom prst="rect">
+            <a:avLst/>
+          </a:prstGeom>
         </p:spPr>
         <p:txBody>
           <a:bodyPr anchor="b"/>
@@ -1620,6 +1690,9 @@
             <a:off x="839788" y="2505075"/>
             <a:ext cx="5157787" cy="3684588"/>
           </a:xfrm>
+          <a:prstGeom prst="rect">
+            <a:avLst/>
+          </a:prstGeom>
         </p:spPr>
         <p:txBody>
           <a:bodyPr/>
@@ -1682,6 +1755,9 @@
             <a:off x="6172200" y="1681163"/>
             <a:ext cx="5183188" cy="823912"/>
           </a:xfrm>
+          <a:prstGeom prst="rect">
+            <a:avLst/>
+          </a:prstGeom>
         </p:spPr>
         <p:txBody>
           <a:bodyPr anchor="b"/>
@@ -1753,6 +1829,9 @@
             <a:off x="6172200" y="2505075"/>
             <a:ext cx="5183188" cy="3684588"/>
           </a:xfrm>
+          <a:prstGeom prst="rect">
+            <a:avLst/>
+          </a:prstGeom>
         </p:spPr>
         <p:txBody>
           <a:bodyPr/>
@@ -1817,7 +1896,7 @@
           <a:p>
             <a:fld id="{CE7749FF-BDA4-3049-8C65-FB4C0E76B179}" type="datetimeFigureOut">
               <a:rPr kumimoji="1" lang="ko-KR" altLang="en-US" smtClean="0"/>
-              <a:t>2023. 10. 17.</a:t>
+              <a:t>2023. 10. 18.</a:t>
             </a:fld>
             <a:endParaRPr kumimoji="1" lang="ko-KR" altLang="en-US"/>
           </a:p>
@@ -1923,7 +2002,15 @@
             <p:ph type="title"/>
           </p:nvPr>
         </p:nvSpPr>
-        <p:spPr/>
+        <p:spPr>
+          <a:xfrm>
+            <a:off x="838200" y="365125"/>
+            <a:ext cx="10515600" cy="1325563"/>
+          </a:xfrm>
+          <a:prstGeom prst="rect">
+            <a:avLst/>
+          </a:prstGeom>
+        </p:spPr>
         <p:txBody>
           <a:bodyPr/>
           <a:lstStyle/>
@@ -1958,7 +2045,7 @@
           <a:p>
             <a:fld id="{CE7749FF-BDA4-3049-8C65-FB4C0E76B179}" type="datetimeFigureOut">
               <a:rPr kumimoji="1" lang="ko-KR" altLang="en-US" smtClean="0"/>
-              <a:t>2023. 10. 17.</a:t>
+              <a:t>2023. 10. 18.</a:t>
             </a:fld>
             <a:endParaRPr kumimoji="1" lang="ko-KR" altLang="en-US"/>
           </a:p>
@@ -2071,7 +2158,7 @@
           <a:p>
             <a:fld id="{CE7749FF-BDA4-3049-8C65-FB4C0E76B179}" type="datetimeFigureOut">
               <a:rPr kumimoji="1" lang="ko-KR" altLang="en-US" smtClean="0"/>
-              <a:t>2023. 10. 17.</a:t>
+              <a:t>2023. 10. 18.</a:t>
             </a:fld>
             <a:endParaRPr kumimoji="1" lang="ko-KR" altLang="en-US"/>
           </a:p>
@@ -2182,6 +2269,9 @@
             <a:off x="839788" y="457200"/>
             <a:ext cx="3932237" cy="1600200"/>
           </a:xfrm>
+          <a:prstGeom prst="rect">
+            <a:avLst/>
+          </a:prstGeom>
         </p:spPr>
         <p:txBody>
           <a:bodyPr anchor="b"/>
@@ -2219,6 +2309,9 @@
             <a:off x="5183188" y="987425"/>
             <a:ext cx="6172200" cy="4873625"/>
           </a:xfrm>
+          <a:prstGeom prst="rect">
+            <a:avLst/>
+          </a:prstGeom>
         </p:spPr>
         <p:txBody>
           <a:bodyPr/>
@@ -2309,6 +2402,9 @@
             <a:off x="839788" y="2057400"/>
             <a:ext cx="3932237" cy="3811588"/>
           </a:xfrm>
+          <a:prstGeom prst="rect">
+            <a:avLst/>
+          </a:prstGeom>
         </p:spPr>
         <p:txBody>
           <a:bodyPr/>
@@ -2382,7 +2478,7 @@
           <a:p>
             <a:fld id="{CE7749FF-BDA4-3049-8C65-FB4C0E76B179}" type="datetimeFigureOut">
               <a:rPr kumimoji="1" lang="ko-KR" altLang="en-US" smtClean="0"/>
-              <a:t>2023. 10. 17.</a:t>
+              <a:t>2023. 10. 18.</a:t>
             </a:fld>
             <a:endParaRPr kumimoji="1" lang="ko-KR" altLang="en-US"/>
           </a:p>
@@ -2493,6 +2589,9 @@
             <a:off x="839788" y="457200"/>
             <a:ext cx="3932237" cy="1600200"/>
           </a:xfrm>
+          <a:prstGeom prst="rect">
+            <a:avLst/>
+          </a:prstGeom>
         </p:spPr>
         <p:txBody>
           <a:bodyPr anchor="b"/>
@@ -2530,6 +2629,9 @@
             <a:off x="5183188" y="987425"/>
             <a:ext cx="6172200" cy="4873625"/>
           </a:xfrm>
+          <a:prstGeom prst="rect">
+            <a:avLst/>
+          </a:prstGeom>
         </p:spPr>
         <p:txBody>
           <a:bodyPr/>
@@ -2597,6 +2699,9 @@
             <a:off x="839788" y="2057400"/>
             <a:ext cx="3932237" cy="3811588"/>
           </a:xfrm>
+          <a:prstGeom prst="rect">
+            <a:avLst/>
+          </a:prstGeom>
         </p:spPr>
         <p:txBody>
           <a:bodyPr/>
@@ -2670,7 +2775,7 @@
           <a:p>
             <a:fld id="{CE7749FF-BDA4-3049-8C65-FB4C0E76B179}" type="datetimeFigureOut">
               <a:rPr kumimoji="1" lang="ko-KR" altLang="en-US" smtClean="0"/>
-              <a:t>2023. 10. 17.</a:t>
+              <a:t>2023. 10. 18.</a:t>
             </a:fld>
             <a:endParaRPr kumimoji="1" lang="ko-KR" altLang="en-US"/>
           </a:p>
@@ -2767,111 +2872,6 @@
       </p:grpSpPr>
       <p:sp>
         <p:nvSpPr>
-          <p:cNvPr id="2" name="제목 개체 틀 1">
-            <a:extLst>
-              <a:ext uri="{FF2B5EF4-FFF2-40B4-BE49-F238E27FC236}">
-                <a16:creationId xmlns:a16="http://schemas.microsoft.com/office/drawing/2014/main" id="{281D65F5-58A6-F765-8392-0E8E79D4B676}"/>
-              </a:ext>
-            </a:extLst>
-          </p:cNvPr>
-          <p:cNvSpPr>
-            <a:spLocks noGrp="1"/>
-          </p:cNvSpPr>
-          <p:nvPr>
-            <p:ph type="title"/>
-          </p:nvPr>
-        </p:nvSpPr>
-        <p:spPr>
-          <a:xfrm>
-            <a:off x="838200" y="365125"/>
-            <a:ext cx="10515600" cy="1325563"/>
-          </a:xfrm>
-          <a:prstGeom prst="rect">
-            <a:avLst/>
-          </a:prstGeom>
-        </p:spPr>
-        <p:txBody>
-          <a:bodyPr vert="horz" lIns="91440" tIns="45720" rIns="91440" bIns="45720" rtlCol="0" anchor="ctr">
-            <a:normAutofit/>
-          </a:bodyPr>
-          <a:lstStyle/>
-          <a:p>
-            <a:r>
-              <a:rPr kumimoji="1" lang="ko-KR" altLang="en-US"/>
-              <a:t>마스터 제목 스타일 편집</a:t>
-            </a:r>
-          </a:p>
-        </p:txBody>
-      </p:sp>
-      <p:sp>
-        <p:nvSpPr>
-          <p:cNvPr id="3" name="텍스트 개체 틀 2">
-            <a:extLst>
-              <a:ext uri="{FF2B5EF4-FFF2-40B4-BE49-F238E27FC236}">
-                <a16:creationId xmlns:a16="http://schemas.microsoft.com/office/drawing/2014/main" id="{805961CF-8B6E-6084-038A-C24CB9825B86}"/>
-              </a:ext>
-            </a:extLst>
-          </p:cNvPr>
-          <p:cNvSpPr>
-            <a:spLocks noGrp="1"/>
-          </p:cNvSpPr>
-          <p:nvPr>
-            <p:ph type="body" idx="1"/>
-          </p:nvPr>
-        </p:nvSpPr>
-        <p:spPr>
-          <a:xfrm>
-            <a:off x="838200" y="1825625"/>
-            <a:ext cx="10515600" cy="4351338"/>
-          </a:xfrm>
-          <a:prstGeom prst="rect">
-            <a:avLst/>
-          </a:prstGeom>
-        </p:spPr>
-        <p:txBody>
-          <a:bodyPr vert="horz" lIns="91440" tIns="45720" rIns="91440" bIns="45720" rtlCol="0">
-            <a:normAutofit/>
-          </a:bodyPr>
-          <a:lstStyle/>
-          <a:p>
-            <a:pPr lvl="0"/>
-            <a:r>
-              <a:rPr kumimoji="1" lang="ko-KR" altLang="en-US"/>
-              <a:t>마스터 텍스트 스타일을 편집하려면 클릭</a:t>
-            </a:r>
-          </a:p>
-          <a:p>
-            <a:pPr lvl="1"/>
-            <a:r>
-              <a:rPr kumimoji="1" lang="ko-KR" altLang="en-US"/>
-              <a:t>두 번째 수준</a:t>
-            </a:r>
-          </a:p>
-          <a:p>
-            <a:pPr lvl="2"/>
-            <a:r>
-              <a:rPr kumimoji="1" lang="ko-KR" altLang="en-US"/>
-              <a:t>세 번째 수준</a:t>
-            </a:r>
-          </a:p>
-          <a:p>
-            <a:pPr lvl="3"/>
-            <a:r>
-              <a:rPr kumimoji="1" lang="ko-KR" altLang="en-US"/>
-              <a:t>네 번째 수준</a:t>
-            </a:r>
-          </a:p>
-          <a:p>
-            <a:pPr lvl="4"/>
-            <a:r>
-              <a:rPr kumimoji="1" lang="ko-KR" altLang="en-US"/>
-              <a:t>다섯 번째 수준</a:t>
-            </a:r>
-          </a:p>
-        </p:txBody>
-      </p:sp>
-      <p:sp>
-        <p:nvSpPr>
           <p:cNvPr id="4" name="날짜 개체 틀 3">
             <a:extLst>
               <a:ext uri="{FF2B5EF4-FFF2-40B4-BE49-F238E27FC236}">
@@ -2911,7 +2911,7 @@
           <a:p>
             <a:fld id="{CE7749FF-BDA4-3049-8C65-FB4C0E76B179}" type="datetimeFigureOut">
               <a:rPr kumimoji="1" lang="ko-KR" altLang="en-US" smtClean="0"/>
-              <a:t>2023. 10. 17.</a:t>
+              <a:t>2023. 10. 18.</a:t>
             </a:fld>
             <a:endParaRPr kumimoji="1" lang="ko-KR" altLang="en-US"/>
           </a:p>
@@ -3003,6 +3003,58 @@
               <a:rPr kumimoji="1" lang="ko-KR" altLang="en-US" smtClean="0"/>
               <a:t>‹#›</a:t>
             </a:fld>
+            <a:endParaRPr kumimoji="1" lang="ko-KR" altLang="en-US"/>
+          </a:p>
+        </p:txBody>
+      </p:sp>
+      <p:sp>
+        <p:nvSpPr>
+          <p:cNvPr id="7" name="직사각형 6">
+            <a:extLst>
+              <a:ext uri="{FF2B5EF4-FFF2-40B4-BE49-F238E27FC236}">
+                <a16:creationId xmlns:a16="http://schemas.microsoft.com/office/drawing/2014/main" id="{40B25D12-3D15-DF73-079C-C42A34F37854}"/>
+              </a:ext>
+            </a:extLst>
+          </p:cNvPr>
+          <p:cNvSpPr/>
+          <p:nvPr userDrawn="1"/>
+        </p:nvSpPr>
+        <p:spPr>
+          <a:xfrm>
+            <a:off x="0" y="0"/>
+            <a:ext cx="12192000" cy="6858000"/>
+          </a:xfrm>
+          <a:prstGeom prst="rect">
+            <a:avLst/>
+          </a:prstGeom>
+          <a:solidFill>
+            <a:schemeClr val="accent2">
+              <a:lumMod val="20000"/>
+              <a:lumOff val="80000"/>
+            </a:schemeClr>
+          </a:solidFill>
+        </p:spPr>
+        <p:style>
+          <a:lnRef idx="2">
+            <a:schemeClr val="accent1">
+              <a:shade val="15000"/>
+            </a:schemeClr>
+          </a:lnRef>
+          <a:fillRef idx="1">
+            <a:schemeClr val="accent1"/>
+          </a:fillRef>
+          <a:effectRef idx="0">
+            <a:schemeClr val="accent1"/>
+          </a:effectRef>
+          <a:fontRef idx="minor">
+            <a:schemeClr val="lt1"/>
+          </a:fontRef>
+        </p:style>
+        <p:txBody>
+          <a:bodyPr rtlCol="0" anchor="ctr"/>
+          <a:lstStyle/>
+          <a:p>
+            <a:pPr algn="ctr"/>
             <a:endParaRPr kumimoji="1" lang="ko-KR" altLang="en-US"/>
           </a:p>
         </p:txBody>
@@ -3745,7 +3797,7 @@
         <p:spPr>
           <a:xfrm>
             <a:off x="8748584" y="382227"/>
-            <a:ext cx="2502608" cy="276999"/>
+            <a:ext cx="2970685" cy="276999"/>
           </a:xfrm>
           <a:prstGeom prst="rect">
             <a:avLst/>
@@ -3764,7 +3816,19 @@
             </a:r>
             <a:r>
               <a:rPr kumimoji="1" lang="ko-KR" altLang="en-US" sz="1200" dirty="0"/>
-              <a:t> 상하 이동 </a:t>
+              <a:t> 상하이동</a:t>
+            </a:r>
+            <a:r>
+              <a:rPr kumimoji="1" lang="en-US" altLang="ko-KR" sz="1200" dirty="0"/>
+              <a:t>/</a:t>
+            </a:r>
+            <a:r>
+              <a:rPr kumimoji="1" lang="ko-KR" altLang="en-US" sz="1200" dirty="0" err="1"/>
+              <a:t>페이드</a:t>
+            </a:r>
+            <a:r>
+              <a:rPr kumimoji="1" lang="ko-KR" altLang="en-US" sz="1200" dirty="0"/>
+              <a:t> </a:t>
             </a:r>
             <a:r>
               <a:rPr kumimoji="1" lang="ko-KR" altLang="en-US" sz="1200" dirty="0" err="1"/>
@@ -5428,69 +5492,181 @@
             <p:ph type="title"/>
           </p:nvPr>
         </p:nvSpPr>
-        <p:spPr/>
+        <p:spPr>
+          <a:xfrm>
+            <a:off x="1937657" y="1442811"/>
+            <a:ext cx="4005943" cy="1325563"/>
+          </a:xfrm>
+        </p:spPr>
         <p:txBody>
           <a:bodyPr/>
           <a:lstStyle/>
           <a:p>
             <a:r>
-              <a:rPr kumimoji="1" lang="en-US" altLang="ko-KR" dirty="0"/>
-              <a:t>10</a:t>
-            </a:r>
-            <a:r>
               <a:rPr kumimoji="1" lang="ko-KR" altLang="en-US" dirty="0"/>
-              <a:t>주 회고</a:t>
-            </a:r>
-          </a:p>
-        </p:txBody>
-      </p:sp>
-      <p:sp>
-        <p:nvSpPr>
-          <p:cNvPr id="3" name="내용 개체 틀 2">
-            <a:extLst>
-              <a:ext uri="{FF2B5EF4-FFF2-40B4-BE49-F238E27FC236}">
-                <a16:creationId xmlns:a16="http://schemas.microsoft.com/office/drawing/2014/main" id="{650764F0-92DC-88F6-A444-5D984C99DD30}"/>
-              </a:ext>
-            </a:extLst>
-          </p:cNvPr>
-          <p:cNvSpPr>
-            <a:spLocks noGrp="1"/>
-          </p:cNvSpPr>
-          <p:nvPr>
-            <p:ph idx="1"/>
-          </p:nvPr>
-        </p:nvSpPr>
-        <p:spPr/>
-        <p:txBody>
-          <a:bodyPr>
+              <a:t>생소한 시스템</a:t>
+            </a:r>
+          </a:p>
+        </p:txBody>
+      </p:sp>
+      <p:sp>
+        <p:nvSpPr>
+          <p:cNvPr id="4" name="제목 1">
+            <a:extLst>
+              <a:ext uri="{FF2B5EF4-FFF2-40B4-BE49-F238E27FC236}">
+                <a16:creationId xmlns:a16="http://schemas.microsoft.com/office/drawing/2014/main" id="{1A1B20F7-04C1-934A-C1E4-065B319D6279}"/>
+              </a:ext>
+            </a:extLst>
+          </p:cNvPr>
+          <p:cNvSpPr txBox="1">
+            <a:spLocks/>
+          </p:cNvSpPr>
+          <p:nvPr/>
+        </p:nvSpPr>
+        <p:spPr>
+          <a:xfrm>
+            <a:off x="1937656" y="2131191"/>
+            <a:ext cx="4005943" cy="1325563"/>
+          </a:xfrm>
+          <a:prstGeom prst="rect">
+            <a:avLst/>
+          </a:prstGeom>
+        </p:spPr>
+        <p:txBody>
+          <a:bodyPr vert="horz" lIns="91440" tIns="45720" rIns="91440" bIns="45720" rtlCol="0" anchor="ctr">
             <a:normAutofit/>
           </a:bodyPr>
-          <a:lstStyle/>
-          <a:p>
-            <a:r>
-              <a:rPr kumimoji="1" lang="ko-KR" altLang="en-US" sz="3600" dirty="0"/>
-              <a:t>생소한 시스템</a:t>
-            </a:r>
-            <a:endParaRPr kumimoji="1" lang="en-US" altLang="ko-KR" sz="3600" dirty="0"/>
-          </a:p>
-          <a:p>
-            <a:r>
-              <a:rPr kumimoji="1" lang="ko-KR" altLang="en-US" sz="3600" dirty="0"/>
+          <a:lstStyle>
+            <a:lvl1pPr algn="l" defTabSz="914400" rtl="0" eaLnBrk="1" latinLnBrk="1" hangingPunct="1">
+              <a:lnSpc>
+                <a:spcPct val="90000"/>
+              </a:lnSpc>
+              <a:spcBef>
+                <a:spcPct val="0"/>
+              </a:spcBef>
+              <a:buNone/>
+              <a:defRPr sz="4400" kern="1200">
+                <a:solidFill>
+                  <a:schemeClr val="tx1"/>
+                </a:solidFill>
+                <a:latin typeface="+mj-lt"/>
+                <a:ea typeface="+mj-ea"/>
+                <a:cs typeface="+mj-cs"/>
+              </a:defRPr>
+            </a:lvl1pPr>
+          </a:lstStyle>
+          <a:p>
+            <a:r>
+              <a:rPr kumimoji="1" lang="ko-KR" altLang="en-US" dirty="0"/>
               <a:t>타이트한 일정</a:t>
             </a:r>
-            <a:endParaRPr kumimoji="1" lang="en-US" altLang="ko-KR" sz="3600" dirty="0"/>
-          </a:p>
-          <a:p>
-            <a:r>
-              <a:rPr kumimoji="1" lang="ko-KR" altLang="en-US" sz="3600" dirty="0"/>
+          </a:p>
+        </p:txBody>
+      </p:sp>
+      <p:sp>
+        <p:nvSpPr>
+          <p:cNvPr id="5" name="제목 1">
+            <a:extLst>
+              <a:ext uri="{FF2B5EF4-FFF2-40B4-BE49-F238E27FC236}">
+                <a16:creationId xmlns:a16="http://schemas.microsoft.com/office/drawing/2014/main" id="{099C49A9-F88E-4E99-58C1-06085BF82172}"/>
+              </a:ext>
+            </a:extLst>
+          </p:cNvPr>
+          <p:cNvSpPr txBox="1">
+            <a:spLocks/>
+          </p:cNvSpPr>
+          <p:nvPr/>
+        </p:nvSpPr>
+        <p:spPr>
+          <a:xfrm>
+            <a:off x="1937655" y="3966611"/>
+            <a:ext cx="4005943" cy="1325563"/>
+          </a:xfrm>
+          <a:prstGeom prst="rect">
+            <a:avLst/>
+          </a:prstGeom>
+        </p:spPr>
+        <p:txBody>
+          <a:bodyPr vert="horz" lIns="91440" tIns="45720" rIns="91440" bIns="45720" rtlCol="0" anchor="ctr">
+            <a:normAutofit/>
+          </a:bodyPr>
+          <a:lstStyle>
+            <a:lvl1pPr algn="l" defTabSz="914400" rtl="0" eaLnBrk="1" latinLnBrk="1" hangingPunct="1">
+              <a:lnSpc>
+                <a:spcPct val="90000"/>
+              </a:lnSpc>
+              <a:spcBef>
+                <a:spcPct val="0"/>
+              </a:spcBef>
+              <a:buNone/>
+              <a:defRPr sz="4400" kern="1200">
+                <a:solidFill>
+                  <a:schemeClr val="tx1"/>
+                </a:solidFill>
+                <a:latin typeface="+mj-lt"/>
+                <a:ea typeface="+mj-ea"/>
+                <a:cs typeface="+mj-cs"/>
+              </a:defRPr>
+            </a:lvl1pPr>
+          </a:lstStyle>
+          <a:p>
+            <a:r>
+              <a:rPr kumimoji="1" lang="ko-KR" altLang="en-US" dirty="0"/>
+              <a:t>열정</a:t>
+            </a:r>
+          </a:p>
+        </p:txBody>
+      </p:sp>
+      <p:sp>
+        <p:nvSpPr>
+          <p:cNvPr id="7" name="제목 1">
+            <a:extLst>
+              <a:ext uri="{FF2B5EF4-FFF2-40B4-BE49-F238E27FC236}">
+                <a16:creationId xmlns:a16="http://schemas.microsoft.com/office/drawing/2014/main" id="{ECB2D863-402F-C5DC-627B-F1BC1586FBA0}"/>
+              </a:ext>
+            </a:extLst>
+          </p:cNvPr>
+          <p:cNvSpPr txBox="1">
+            <a:spLocks/>
+          </p:cNvSpPr>
+          <p:nvPr/>
+        </p:nvSpPr>
+        <p:spPr>
+          <a:xfrm>
+            <a:off x="1937655" y="3048901"/>
+            <a:ext cx="2394857" cy="1325563"/>
+          </a:xfrm>
+          <a:prstGeom prst="rect">
+            <a:avLst/>
+          </a:prstGeom>
+        </p:spPr>
+        <p:txBody>
+          <a:bodyPr vert="horz" lIns="91440" tIns="45720" rIns="91440" bIns="45720" rtlCol="0" anchor="ctr">
+            <a:normAutofit/>
+          </a:bodyPr>
+          <a:lstStyle>
+            <a:lvl1pPr algn="l" defTabSz="914400" rtl="0" eaLnBrk="1" latinLnBrk="1" hangingPunct="1">
+              <a:lnSpc>
+                <a:spcPct val="90000"/>
+              </a:lnSpc>
+              <a:spcBef>
+                <a:spcPct val="0"/>
+              </a:spcBef>
+              <a:buNone/>
+              <a:defRPr sz="4400" kern="1200">
+                <a:solidFill>
+                  <a:schemeClr val="tx1"/>
+                </a:solidFill>
+                <a:latin typeface="+mj-lt"/>
+                <a:ea typeface="+mj-ea"/>
+                <a:cs typeface="+mj-cs"/>
+              </a:defRPr>
+            </a:lvl1pPr>
+          </a:lstStyle>
+          <a:p>
+            <a:r>
+              <a:rPr kumimoji="1" lang="ko-KR" altLang="en-US" dirty="0"/>
               <a:t>선수들</a:t>
-            </a:r>
-            <a:endParaRPr kumimoji="1" lang="en-US" altLang="ko-KR" sz="3600" dirty="0"/>
-          </a:p>
-          <a:p>
-            <a:r>
-              <a:rPr kumimoji="1" lang="ko-KR" altLang="en-US" sz="3600" dirty="0"/>
-              <a:t>열정</a:t>
             </a:r>
           </a:p>
         </p:txBody>
@@ -5505,6 +5681,406 @@
   <p:clrMapOvr>
     <a:masterClrMapping/>
   </p:clrMapOvr>
+  <p:timing>
+    <p:tnLst>
+      <p:par>
+        <p:cTn id="1" dur="indefinite" restart="never" nodeType="tmRoot">
+          <p:childTnLst>
+            <p:seq concurrent="1" nextAc="seek">
+              <p:cTn id="2" dur="indefinite" nodeType="mainSeq">
+                <p:childTnLst>
+                  <p:par>
+                    <p:cTn id="3" fill="hold">
+                      <p:stCondLst>
+                        <p:cond delay="indefinite"/>
+                      </p:stCondLst>
+                      <p:childTnLst>
+                        <p:par>
+                          <p:cTn id="4" fill="hold">
+                            <p:stCondLst>
+                              <p:cond delay="0"/>
+                            </p:stCondLst>
+                            <p:childTnLst>
+                              <p:par>
+                                <p:cTn id="5" presetID="2" presetClass="entr" presetSubtype="4" fill="hold" grpId="0" nodeType="clickEffect">
+                                  <p:stCondLst>
+                                    <p:cond delay="0"/>
+                                  </p:stCondLst>
+                                  <p:childTnLst>
+                                    <p:set>
+                                      <p:cBhvr>
+                                        <p:cTn id="6" dur="1" fill="hold">
+                                          <p:stCondLst>
+                                            <p:cond delay="0"/>
+                                          </p:stCondLst>
+                                        </p:cTn>
+                                        <p:tgtEl>
+                                          <p:spTgt spid="2"/>
+                                        </p:tgtEl>
+                                        <p:attrNameLst>
+                                          <p:attrName>style.visibility</p:attrName>
+                                        </p:attrNameLst>
+                                      </p:cBhvr>
+                                      <p:to>
+                                        <p:strVal val="visible"/>
+                                      </p:to>
+                                    </p:set>
+                                    <p:anim calcmode="lin" valueType="num">
+                                      <p:cBhvr additive="base">
+                                        <p:cTn id="7" dur="500" fill="hold"/>
+                                        <p:tgtEl>
+                                          <p:spTgt spid="2"/>
+                                        </p:tgtEl>
+                                        <p:attrNameLst>
+                                          <p:attrName>ppt_x</p:attrName>
+                                        </p:attrNameLst>
+                                      </p:cBhvr>
+                                      <p:tavLst>
+                                        <p:tav tm="0">
+                                          <p:val>
+                                            <p:strVal val="#ppt_x"/>
+                                          </p:val>
+                                        </p:tav>
+                                        <p:tav tm="100000">
+                                          <p:val>
+                                            <p:strVal val="#ppt_x"/>
+                                          </p:val>
+                                        </p:tav>
+                                      </p:tavLst>
+                                    </p:anim>
+                                    <p:anim calcmode="lin" valueType="num">
+                                      <p:cBhvr additive="base">
+                                        <p:cTn id="8" dur="500" fill="hold"/>
+                                        <p:tgtEl>
+                                          <p:spTgt spid="2"/>
+                                        </p:tgtEl>
+                                        <p:attrNameLst>
+                                          <p:attrName>ppt_y</p:attrName>
+                                        </p:attrNameLst>
+                                      </p:cBhvr>
+                                      <p:tavLst>
+                                        <p:tav tm="0">
+                                          <p:val>
+                                            <p:strVal val="1+#ppt_h/2"/>
+                                          </p:val>
+                                        </p:tav>
+                                        <p:tav tm="100000">
+                                          <p:val>
+                                            <p:strVal val="#ppt_y"/>
+                                          </p:val>
+                                        </p:tav>
+                                      </p:tavLst>
+                                    </p:anim>
+                                  </p:childTnLst>
+                                </p:cTn>
+                              </p:par>
+                            </p:childTnLst>
+                          </p:cTn>
+                        </p:par>
+                      </p:childTnLst>
+                    </p:cTn>
+                  </p:par>
+                  <p:par>
+                    <p:cTn id="9" fill="hold">
+                      <p:stCondLst>
+                        <p:cond delay="indefinite"/>
+                      </p:stCondLst>
+                      <p:childTnLst>
+                        <p:par>
+                          <p:cTn id="10" fill="hold">
+                            <p:stCondLst>
+                              <p:cond delay="0"/>
+                            </p:stCondLst>
+                            <p:childTnLst>
+                              <p:par>
+                                <p:cTn id="11" presetID="2" presetClass="entr" presetSubtype="4" fill="hold" grpId="0" nodeType="clickEffect">
+                                  <p:stCondLst>
+                                    <p:cond delay="0"/>
+                                  </p:stCondLst>
+                                  <p:childTnLst>
+                                    <p:set>
+                                      <p:cBhvr>
+                                        <p:cTn id="12" dur="1" fill="hold">
+                                          <p:stCondLst>
+                                            <p:cond delay="0"/>
+                                          </p:stCondLst>
+                                        </p:cTn>
+                                        <p:tgtEl>
+                                          <p:spTgt spid="4"/>
+                                        </p:tgtEl>
+                                        <p:attrNameLst>
+                                          <p:attrName>style.visibility</p:attrName>
+                                        </p:attrNameLst>
+                                      </p:cBhvr>
+                                      <p:to>
+                                        <p:strVal val="visible"/>
+                                      </p:to>
+                                    </p:set>
+                                    <p:anim calcmode="lin" valueType="num">
+                                      <p:cBhvr additive="base">
+                                        <p:cTn id="13" dur="500" fill="hold"/>
+                                        <p:tgtEl>
+                                          <p:spTgt spid="4"/>
+                                        </p:tgtEl>
+                                        <p:attrNameLst>
+                                          <p:attrName>ppt_x</p:attrName>
+                                        </p:attrNameLst>
+                                      </p:cBhvr>
+                                      <p:tavLst>
+                                        <p:tav tm="0">
+                                          <p:val>
+                                            <p:strVal val="#ppt_x"/>
+                                          </p:val>
+                                        </p:tav>
+                                        <p:tav tm="100000">
+                                          <p:val>
+                                            <p:strVal val="#ppt_x"/>
+                                          </p:val>
+                                        </p:tav>
+                                      </p:tavLst>
+                                    </p:anim>
+                                    <p:anim calcmode="lin" valueType="num">
+                                      <p:cBhvr additive="base">
+                                        <p:cTn id="14" dur="500" fill="hold"/>
+                                        <p:tgtEl>
+                                          <p:spTgt spid="4"/>
+                                        </p:tgtEl>
+                                        <p:attrNameLst>
+                                          <p:attrName>ppt_y</p:attrName>
+                                        </p:attrNameLst>
+                                      </p:cBhvr>
+                                      <p:tavLst>
+                                        <p:tav tm="0">
+                                          <p:val>
+                                            <p:strVal val="1+#ppt_h/2"/>
+                                          </p:val>
+                                        </p:tav>
+                                        <p:tav tm="100000">
+                                          <p:val>
+                                            <p:strVal val="#ppt_y"/>
+                                          </p:val>
+                                        </p:tav>
+                                      </p:tavLst>
+                                    </p:anim>
+                                  </p:childTnLst>
+                                </p:cTn>
+                              </p:par>
+                            </p:childTnLst>
+                          </p:cTn>
+                        </p:par>
+                      </p:childTnLst>
+                    </p:cTn>
+                  </p:par>
+                  <p:par>
+                    <p:cTn id="15" fill="hold">
+                      <p:stCondLst>
+                        <p:cond delay="indefinite"/>
+                      </p:stCondLst>
+                      <p:childTnLst>
+                        <p:par>
+                          <p:cTn id="16" fill="hold">
+                            <p:stCondLst>
+                              <p:cond delay="0"/>
+                            </p:stCondLst>
+                            <p:childTnLst>
+                              <p:par>
+                                <p:cTn id="17" presetID="2" presetClass="entr" presetSubtype="4" fill="hold" grpId="0" nodeType="clickEffect">
+                                  <p:stCondLst>
+                                    <p:cond delay="0"/>
+                                  </p:stCondLst>
+                                  <p:childTnLst>
+                                    <p:set>
+                                      <p:cBhvr>
+                                        <p:cTn id="18" dur="1" fill="hold">
+                                          <p:stCondLst>
+                                            <p:cond delay="0"/>
+                                          </p:stCondLst>
+                                        </p:cTn>
+                                        <p:tgtEl>
+                                          <p:spTgt spid="7"/>
+                                        </p:tgtEl>
+                                        <p:attrNameLst>
+                                          <p:attrName>style.visibility</p:attrName>
+                                        </p:attrNameLst>
+                                      </p:cBhvr>
+                                      <p:to>
+                                        <p:strVal val="visible"/>
+                                      </p:to>
+                                    </p:set>
+                                    <p:anim calcmode="lin" valueType="num">
+                                      <p:cBhvr additive="base">
+                                        <p:cTn id="19" dur="500" fill="hold"/>
+                                        <p:tgtEl>
+                                          <p:spTgt spid="7"/>
+                                        </p:tgtEl>
+                                        <p:attrNameLst>
+                                          <p:attrName>ppt_x</p:attrName>
+                                        </p:attrNameLst>
+                                      </p:cBhvr>
+                                      <p:tavLst>
+                                        <p:tav tm="0">
+                                          <p:val>
+                                            <p:strVal val="#ppt_x"/>
+                                          </p:val>
+                                        </p:tav>
+                                        <p:tav tm="100000">
+                                          <p:val>
+                                            <p:strVal val="#ppt_x"/>
+                                          </p:val>
+                                        </p:tav>
+                                      </p:tavLst>
+                                    </p:anim>
+                                    <p:anim calcmode="lin" valueType="num">
+                                      <p:cBhvr additive="base">
+                                        <p:cTn id="20" dur="500" fill="hold"/>
+                                        <p:tgtEl>
+                                          <p:spTgt spid="7"/>
+                                        </p:tgtEl>
+                                        <p:attrNameLst>
+                                          <p:attrName>ppt_y</p:attrName>
+                                        </p:attrNameLst>
+                                      </p:cBhvr>
+                                      <p:tavLst>
+                                        <p:tav tm="0">
+                                          <p:val>
+                                            <p:strVal val="1+#ppt_h/2"/>
+                                          </p:val>
+                                        </p:tav>
+                                        <p:tav tm="100000">
+                                          <p:val>
+                                            <p:strVal val="#ppt_y"/>
+                                          </p:val>
+                                        </p:tav>
+                                      </p:tavLst>
+                                    </p:anim>
+                                  </p:childTnLst>
+                                </p:cTn>
+                              </p:par>
+                            </p:childTnLst>
+                          </p:cTn>
+                        </p:par>
+                      </p:childTnLst>
+                    </p:cTn>
+                  </p:par>
+                  <p:par>
+                    <p:cTn id="21" fill="hold">
+                      <p:stCondLst>
+                        <p:cond delay="indefinite"/>
+                      </p:stCondLst>
+                      <p:childTnLst>
+                        <p:par>
+                          <p:cTn id="22" fill="hold">
+                            <p:stCondLst>
+                              <p:cond delay="0"/>
+                            </p:stCondLst>
+                            <p:childTnLst>
+                              <p:par>
+                                <p:cTn id="23" presetID="2" presetClass="entr" presetSubtype="4" fill="hold" grpId="0" nodeType="clickEffect">
+                                  <p:stCondLst>
+                                    <p:cond delay="0"/>
+                                  </p:stCondLst>
+                                  <p:childTnLst>
+                                    <p:set>
+                                      <p:cBhvr>
+                                        <p:cTn id="24" dur="1" fill="hold">
+                                          <p:stCondLst>
+                                            <p:cond delay="0"/>
+                                          </p:stCondLst>
+                                        </p:cTn>
+                                        <p:tgtEl>
+                                          <p:spTgt spid="5"/>
+                                        </p:tgtEl>
+                                        <p:attrNameLst>
+                                          <p:attrName>style.visibility</p:attrName>
+                                        </p:attrNameLst>
+                                      </p:cBhvr>
+                                      <p:to>
+                                        <p:strVal val="visible"/>
+                                      </p:to>
+                                    </p:set>
+                                    <p:anim calcmode="lin" valueType="num">
+                                      <p:cBhvr additive="base">
+                                        <p:cTn id="25" dur="500" fill="hold"/>
+                                        <p:tgtEl>
+                                          <p:spTgt spid="5"/>
+                                        </p:tgtEl>
+                                        <p:attrNameLst>
+                                          <p:attrName>ppt_x</p:attrName>
+                                        </p:attrNameLst>
+                                      </p:cBhvr>
+                                      <p:tavLst>
+                                        <p:tav tm="0">
+                                          <p:val>
+                                            <p:strVal val="#ppt_x"/>
+                                          </p:val>
+                                        </p:tav>
+                                        <p:tav tm="100000">
+                                          <p:val>
+                                            <p:strVal val="#ppt_x"/>
+                                          </p:val>
+                                        </p:tav>
+                                      </p:tavLst>
+                                    </p:anim>
+                                    <p:anim calcmode="lin" valueType="num">
+                                      <p:cBhvr additive="base">
+                                        <p:cTn id="26" dur="500" fill="hold"/>
+                                        <p:tgtEl>
+                                          <p:spTgt spid="5"/>
+                                        </p:tgtEl>
+                                        <p:attrNameLst>
+                                          <p:attrName>ppt_y</p:attrName>
+                                        </p:attrNameLst>
+                                      </p:cBhvr>
+                                      <p:tavLst>
+                                        <p:tav tm="0">
+                                          <p:val>
+                                            <p:strVal val="1+#ppt_h/2"/>
+                                          </p:val>
+                                        </p:tav>
+                                        <p:tav tm="100000">
+                                          <p:val>
+                                            <p:strVal val="#ppt_y"/>
+                                          </p:val>
+                                        </p:tav>
+                                      </p:tavLst>
+                                    </p:anim>
+                                  </p:childTnLst>
+                                </p:cTn>
+                              </p:par>
+                            </p:childTnLst>
+                          </p:cTn>
+                        </p:par>
+                      </p:childTnLst>
+                    </p:cTn>
+                  </p:par>
+                </p:childTnLst>
+              </p:cTn>
+              <p:prevCondLst>
+                <p:cond evt="onPrev" delay="0">
+                  <p:tgtEl>
+                    <p:sldTgt/>
+                  </p:tgtEl>
+                </p:cond>
+              </p:prevCondLst>
+              <p:nextCondLst>
+                <p:cond evt="onNext" delay="0">
+                  <p:tgtEl>
+                    <p:sldTgt/>
+                  </p:tgtEl>
+                </p:cond>
+              </p:nextCondLst>
+            </p:seq>
+          </p:childTnLst>
+        </p:cTn>
+      </p:par>
+    </p:tnLst>
+    <p:bldLst>
+      <p:bldP spid="2" grpId="0"/>
+      <p:bldP spid="4" grpId="0"/>
+      <p:bldP spid="5" grpId="0"/>
+      <p:bldP spid="7" grpId="0"/>
+    </p:bldLst>
+  </p:timing>
 </p:sld>
 </file>
 
